--- a/データベース掲示板/状態遷移図_DB.pptx
+++ b/データベース掲示板/状態遷移図_DB.pptx
@@ -8569,44 +8569,6 @@
       </p:cxnSp>
       <p:cxnSp>
         <p:nvCxnSpPr>
-          <p:cNvPr id="47" name="直線矢印コネクタ 46"/>
-          <p:cNvCxnSpPr/>
-          <p:nvPr/>
-        </p:nvCxnSpPr>
-        <p:spPr>
-          <a:xfrm flipH="1">
-            <a:off x="1437428" y="4008427"/>
-            <a:ext cx="143817" cy="1681172"/>
-          </a:xfrm>
-          <a:prstGeom prst="straightConnector1">
-            <a:avLst/>
-          </a:prstGeom>
-          <a:ln w="25400">
-            <a:solidFill>
-              <a:schemeClr val="tx1"/>
-            </a:solidFill>
-            <a:prstDash val="dash"/>
-            <a:headEnd type="triangle" w="lg" len="lg"/>
-            <a:tailEnd type="triangle" w="lg" len="lg"/>
-          </a:ln>
-        </p:spPr>
-        <p:style>
-          <a:lnRef idx="1">
-            <a:schemeClr val="accent1"/>
-          </a:lnRef>
-          <a:fillRef idx="0">
-            <a:schemeClr val="accent1"/>
-          </a:fillRef>
-          <a:effectRef idx="0">
-            <a:schemeClr val="accent1"/>
-          </a:effectRef>
-          <a:fontRef idx="minor">
-            <a:schemeClr val="tx1"/>
-          </a:fontRef>
-        </p:style>
-      </p:cxnSp>
-      <p:cxnSp>
-        <p:nvCxnSpPr>
           <p:cNvPr id="49" name="直線矢印コネクタ 48"/>
           <p:cNvCxnSpPr/>
           <p:nvPr/>
@@ -10402,14 +10364,16 @@
       </p:cxnSp>
       <p:cxnSp>
         <p:nvCxnSpPr>
-          <p:cNvPr id="58" name="直線矢印コネクタ 57"/>
-          <p:cNvCxnSpPr/>
+          <p:cNvPr id="63" name="直線矢印コネクタ 62"/>
+          <p:cNvCxnSpPr>
+            <a:endCxn id="9" idx="1"/>
+          </p:cNvCxnSpPr>
           <p:nvPr/>
         </p:nvCxnSpPr>
         <p:spPr>
-          <a:xfrm flipH="1">
-            <a:off x="8864578" y="3494214"/>
-            <a:ext cx="653043" cy="373786"/>
+          <a:xfrm>
+            <a:off x="9135365" y="4346094"/>
+            <a:ext cx="344004" cy="78437"/>
           </a:xfrm>
           <a:prstGeom prst="straightConnector1">
             <a:avLst/>
@@ -10418,85 +10382,8 @@
             <a:solidFill>
               <a:schemeClr val="tx1"/>
             </a:solidFill>
-            <a:prstDash val="dash"/>
-            <a:headEnd type="triangle" w="lg" len="lg"/>
-            <a:tailEnd type="none" w="lg" len="lg"/>
-          </a:ln>
-        </p:spPr>
-        <p:style>
-          <a:lnRef idx="1">
-            <a:schemeClr val="accent1"/>
-          </a:lnRef>
-          <a:fillRef idx="0">
-            <a:schemeClr val="accent1"/>
-          </a:fillRef>
-          <a:effectRef idx="0">
-            <a:schemeClr val="accent1"/>
-          </a:effectRef>
-          <a:fontRef idx="minor">
-            <a:schemeClr val="tx1"/>
-          </a:fontRef>
-        </p:style>
-      </p:cxnSp>
-      <p:cxnSp>
-        <p:nvCxnSpPr>
-          <p:cNvPr id="60" name="直線矢印コネクタ 59"/>
-          <p:cNvCxnSpPr/>
-          <p:nvPr/>
-        </p:nvCxnSpPr>
-        <p:spPr>
-          <a:xfrm>
-            <a:off x="5133576" y="2638894"/>
-            <a:ext cx="2580828" cy="1185134"/>
-          </a:xfrm>
-          <a:prstGeom prst="straightConnector1">
-            <a:avLst/>
-          </a:prstGeom>
-          <a:ln w="25400">
-            <a:solidFill>
-              <a:schemeClr val="tx1"/>
-            </a:solidFill>
-            <a:prstDash val="dash"/>
-            <a:headEnd type="triangle" w="lg" len="lg"/>
-            <a:tailEnd type="none" w="lg" len="lg"/>
-          </a:ln>
-        </p:spPr>
-        <p:style>
-          <a:lnRef idx="1">
-            <a:schemeClr val="accent1"/>
-          </a:lnRef>
-          <a:fillRef idx="0">
-            <a:schemeClr val="accent1"/>
-          </a:fillRef>
-          <a:effectRef idx="0">
-            <a:schemeClr val="accent1"/>
-          </a:effectRef>
-          <a:fontRef idx="minor">
-            <a:schemeClr val="tx1"/>
-          </a:fontRef>
-        </p:style>
-      </p:cxnSp>
-      <p:cxnSp>
-        <p:nvCxnSpPr>
-          <p:cNvPr id="61" name="直線矢印コネクタ 60"/>
-          <p:cNvCxnSpPr/>
-          <p:nvPr/>
-        </p:nvCxnSpPr>
-        <p:spPr>
-          <a:xfrm>
-            <a:off x="5171869" y="4008507"/>
-            <a:ext cx="1528083" cy="685866"/>
-          </a:xfrm>
-          <a:prstGeom prst="straightConnector1">
-            <a:avLst/>
-          </a:prstGeom>
-          <a:ln w="25400">
-            <a:solidFill>
-              <a:schemeClr val="tx1"/>
-            </a:solidFill>
-            <a:prstDash val="dash"/>
-            <a:headEnd type="triangle" w="lg" len="lg"/>
-            <a:tailEnd type="none" w="lg" len="lg"/>
+            <a:prstDash val="solid"/>
+            <a:tailEnd type="triangle" w="lg" len="lg"/>
           </a:ln>
         </p:spPr>
         <p:style>

--- a/データベース掲示板/状態遷移図_DB.pptx
+++ b/データベース掲示板/状態遷移図_DB.pptx
@@ -198,7 +198,7 @@
           <a:p>
             <a:fld id="{19CF1ACD-1203-4F1D-812E-61993D6ED4D3}" type="datetimeFigureOut">
               <a:rPr kumimoji="1" lang="ja-JP" altLang="en-US" smtClean="0"/>
-              <a:t>2017/10/18</a:t>
+              <a:t>2017/10/19</a:t>
             </a:fld>
             <a:endParaRPr kumimoji="1" lang="ja-JP" altLang="en-US"/>
           </a:p>
@@ -717,7 +717,7 @@
           <a:p>
             <a:fld id="{931ADCC0-89D4-47E2-A51B-3DB9029B3371}" type="datetimeFigureOut">
               <a:rPr kumimoji="1" lang="ja-JP" altLang="en-US" smtClean="0"/>
-              <a:t>2017/10/18</a:t>
+              <a:t>2017/10/19</a:t>
             </a:fld>
             <a:endParaRPr kumimoji="1" lang="ja-JP" altLang="en-US"/>
           </a:p>
@@ -919,7 +919,7 @@
           <a:p>
             <a:fld id="{931ADCC0-89D4-47E2-A51B-3DB9029B3371}" type="datetimeFigureOut">
               <a:rPr kumimoji="1" lang="ja-JP" altLang="en-US" smtClean="0"/>
-              <a:t>2017/10/18</a:t>
+              <a:t>2017/10/19</a:t>
             </a:fld>
             <a:endParaRPr kumimoji="1" lang="ja-JP" altLang="en-US"/>
           </a:p>
@@ -1131,7 +1131,7 @@
           <a:p>
             <a:fld id="{931ADCC0-89D4-47E2-A51B-3DB9029B3371}" type="datetimeFigureOut">
               <a:rPr kumimoji="1" lang="ja-JP" altLang="en-US" smtClean="0"/>
-              <a:t>2017/10/18</a:t>
+              <a:t>2017/10/19</a:t>
             </a:fld>
             <a:endParaRPr kumimoji="1" lang="ja-JP" altLang="en-US"/>
           </a:p>
@@ -1333,7 +1333,7 @@
           <a:p>
             <a:fld id="{931ADCC0-89D4-47E2-A51B-3DB9029B3371}" type="datetimeFigureOut">
               <a:rPr kumimoji="1" lang="ja-JP" altLang="en-US" smtClean="0"/>
-              <a:t>2017/10/18</a:t>
+              <a:t>2017/10/19</a:t>
             </a:fld>
             <a:endParaRPr kumimoji="1" lang="ja-JP" altLang="en-US"/>
           </a:p>
@@ -1579,7 +1579,7 @@
           <a:p>
             <a:fld id="{931ADCC0-89D4-47E2-A51B-3DB9029B3371}" type="datetimeFigureOut">
               <a:rPr kumimoji="1" lang="ja-JP" altLang="en-US" smtClean="0"/>
-              <a:t>2017/10/18</a:t>
+              <a:t>2017/10/19</a:t>
             </a:fld>
             <a:endParaRPr kumimoji="1" lang="ja-JP" altLang="en-US"/>
           </a:p>
@@ -1875,7 +1875,7 @@
           <a:p>
             <a:fld id="{931ADCC0-89D4-47E2-A51B-3DB9029B3371}" type="datetimeFigureOut">
               <a:rPr kumimoji="1" lang="ja-JP" altLang="en-US" smtClean="0"/>
-              <a:t>2017/10/18</a:t>
+              <a:t>2017/10/19</a:t>
             </a:fld>
             <a:endParaRPr kumimoji="1" lang="ja-JP" altLang="en-US"/>
           </a:p>
@@ -2306,7 +2306,7 @@
           <a:p>
             <a:fld id="{931ADCC0-89D4-47E2-A51B-3DB9029B3371}" type="datetimeFigureOut">
               <a:rPr kumimoji="1" lang="ja-JP" altLang="en-US" smtClean="0"/>
-              <a:t>2017/10/18</a:t>
+              <a:t>2017/10/19</a:t>
             </a:fld>
             <a:endParaRPr kumimoji="1" lang="ja-JP" altLang="en-US"/>
           </a:p>
@@ -2424,7 +2424,7 @@
           <a:p>
             <a:fld id="{931ADCC0-89D4-47E2-A51B-3DB9029B3371}" type="datetimeFigureOut">
               <a:rPr kumimoji="1" lang="ja-JP" altLang="en-US" smtClean="0"/>
-              <a:t>2017/10/18</a:t>
+              <a:t>2017/10/19</a:t>
             </a:fld>
             <a:endParaRPr kumimoji="1" lang="ja-JP" altLang="en-US"/>
           </a:p>
@@ -2519,7 +2519,7 @@
           <a:p>
             <a:fld id="{931ADCC0-89D4-47E2-A51B-3DB9029B3371}" type="datetimeFigureOut">
               <a:rPr kumimoji="1" lang="ja-JP" altLang="en-US" smtClean="0"/>
-              <a:t>2017/10/18</a:t>
+              <a:t>2017/10/19</a:t>
             </a:fld>
             <a:endParaRPr kumimoji="1" lang="ja-JP" altLang="en-US"/>
           </a:p>
@@ -2828,7 +2828,7 @@
           <a:p>
             <a:fld id="{931ADCC0-89D4-47E2-A51B-3DB9029B3371}" type="datetimeFigureOut">
               <a:rPr kumimoji="1" lang="ja-JP" altLang="en-US" smtClean="0"/>
-              <a:t>2017/10/18</a:t>
+              <a:t>2017/10/19</a:t>
             </a:fld>
             <a:endParaRPr kumimoji="1" lang="ja-JP" altLang="en-US"/>
           </a:p>
@@ -3081,7 +3081,7 @@
           <a:p>
             <a:fld id="{931ADCC0-89D4-47E2-A51B-3DB9029B3371}" type="datetimeFigureOut">
               <a:rPr kumimoji="1" lang="ja-JP" altLang="en-US" smtClean="0"/>
-              <a:t>2017/10/18</a:t>
+              <a:t>2017/10/19</a:t>
             </a:fld>
             <a:endParaRPr kumimoji="1" lang="ja-JP" altLang="en-US"/>
           </a:p>
@@ -3326,7 +3326,7 @@
           <a:p>
             <a:fld id="{931ADCC0-89D4-47E2-A51B-3DB9029B3371}" type="datetimeFigureOut">
               <a:rPr kumimoji="1" lang="ja-JP" altLang="en-US" smtClean="0"/>
-              <a:t>2017/10/18</a:t>
+              <a:t>2017/10/19</a:t>
             </a:fld>
             <a:endParaRPr kumimoji="1" lang="ja-JP" altLang="en-US"/>
           </a:p>
@@ -7069,7 +7069,7 @@
           <a:lstStyle/>
           <a:p>
             <a:r>
-              <a:rPr kumimoji="1" lang="en-US" altLang="ja-JP" sz="1400" dirty="0" smtClean="0">
+              <a:rPr lang="ja-JP" altLang="en-US" sz="1400" dirty="0">
                 <a:solidFill>
                   <a:schemeClr val="tx1"/>
                 </a:solidFill>
@@ -7077,10 +7077,20 @@
                 <a:ea typeface="メイリオ" panose="020B0604030504040204" pitchFamily="50" charset="-128"/>
                 <a:cs typeface="メイリオ" panose="020B0604030504040204" pitchFamily="50" charset="-128"/>
               </a:rPr>
-              <a:t>View</a:t>
-            </a:r>
-            <a:r>
-              <a:rPr lang="en-US" altLang="ja-JP" sz="1400" dirty="0" smtClean="0">
+              <a:t>・ミッチェルさん</a:t>
+            </a:r>
+            <a:endParaRPr lang="en-US" altLang="ja-JP" sz="1400" dirty="0">
+              <a:solidFill>
+                <a:schemeClr val="tx1"/>
+              </a:solidFill>
+              <a:latin typeface="メイリオ" panose="020B0604030504040204" pitchFamily="50" charset="-128"/>
+              <a:ea typeface="メイリオ" panose="020B0604030504040204" pitchFamily="50" charset="-128"/>
+              <a:cs typeface="メイリオ" panose="020B0604030504040204" pitchFamily="50" charset="-128"/>
+            </a:endParaRPr>
+          </a:p>
+          <a:p>
+            <a:r>
+              <a:rPr lang="ja-JP" altLang="en-US" sz="1400" dirty="0" smtClean="0">
                 <a:solidFill>
                   <a:schemeClr val="tx1"/>
                 </a:solidFill>
@@ -7088,7 +7098,40 @@
                 <a:ea typeface="メイリオ" panose="020B0604030504040204" pitchFamily="50" charset="-128"/>
                 <a:cs typeface="メイリオ" panose="020B0604030504040204" pitchFamily="50" charset="-128"/>
               </a:rPr>
-              <a:t>(JSP)</a:t>
+              <a:t> </a:t>
+            </a:r>
+            <a:r>
+              <a:rPr kumimoji="1" lang="en-US" altLang="ja-JP" sz="1400" dirty="0" smtClean="0">
+                <a:solidFill>
+                  <a:schemeClr val="tx1"/>
+                </a:solidFill>
+                <a:latin typeface="メイリオ" panose="020B0604030504040204" pitchFamily="50" charset="-128"/>
+                <a:ea typeface="メイリオ" panose="020B0604030504040204" pitchFamily="50" charset="-128"/>
+                <a:cs typeface="メイリオ" panose="020B0604030504040204" pitchFamily="50" charset="-128"/>
+              </a:rPr>
+              <a:t>View</a:t>
+            </a:r>
+            <a:r>
+              <a:rPr lang="en-US" altLang="ja-JP" sz="1400" dirty="0" smtClean="0">
+                <a:solidFill>
+                  <a:schemeClr val="tx1"/>
+                </a:solidFill>
+                <a:latin typeface="メイリオ" panose="020B0604030504040204" pitchFamily="50" charset="-128"/>
+                <a:ea typeface="メイリオ" panose="020B0604030504040204" pitchFamily="50" charset="-128"/>
+                <a:cs typeface="メイリオ" panose="020B0604030504040204" pitchFamily="50" charset="-128"/>
+              </a:rPr>
+              <a:t>(JSP</a:t>
+            </a:r>
+            <a:r>
+              <a:rPr lang="en-US" altLang="ja-JP" sz="1400" dirty="0" smtClean="0">
+                <a:solidFill>
+                  <a:schemeClr val="tx1"/>
+                </a:solidFill>
+                <a:latin typeface="メイリオ" panose="020B0604030504040204" pitchFamily="50" charset="-128"/>
+                <a:ea typeface="メイリオ" panose="020B0604030504040204" pitchFamily="50" charset="-128"/>
+                <a:cs typeface="メイリオ" panose="020B0604030504040204" pitchFamily="50" charset="-128"/>
+              </a:rPr>
+              <a:t>)</a:t>
             </a:r>
             <a:br>
               <a:rPr lang="en-US" altLang="ja-JP" sz="1400" dirty="0" smtClean="0">
@@ -7187,6 +7230,38 @@
           <a:lstStyle/>
           <a:p>
             <a:r>
+              <a:rPr lang="ja-JP" altLang="en-US" sz="1400" dirty="0">
+                <a:solidFill>
+                  <a:schemeClr val="tx1"/>
+                </a:solidFill>
+                <a:latin typeface="メイリオ" panose="020B0604030504040204" pitchFamily="50" charset="-128"/>
+                <a:ea typeface="メイリオ" panose="020B0604030504040204" pitchFamily="50" charset="-128"/>
+                <a:cs typeface="メイリオ" panose="020B0604030504040204" pitchFamily="50" charset="-128"/>
+              </a:rPr>
+              <a:t>・ミッチェル</a:t>
+            </a:r>
+            <a:r>
+              <a:rPr lang="ja-JP" altLang="en-US" sz="1400" dirty="0" smtClean="0">
+                <a:solidFill>
+                  <a:schemeClr val="tx1"/>
+                </a:solidFill>
+                <a:latin typeface="メイリオ" panose="020B0604030504040204" pitchFamily="50" charset="-128"/>
+                <a:ea typeface="メイリオ" panose="020B0604030504040204" pitchFamily="50" charset="-128"/>
+                <a:cs typeface="メイリオ" panose="020B0604030504040204" pitchFamily="50" charset="-128"/>
+              </a:rPr>
+              <a:t>さん</a:t>
+            </a:r>
+            <a:endParaRPr lang="en-US" altLang="ja-JP" sz="1400" dirty="0" smtClean="0">
+              <a:solidFill>
+                <a:schemeClr val="tx1"/>
+              </a:solidFill>
+              <a:latin typeface="メイリオ" panose="020B0604030504040204" pitchFamily="50" charset="-128"/>
+              <a:ea typeface="メイリオ" panose="020B0604030504040204" pitchFamily="50" charset="-128"/>
+              <a:cs typeface="メイリオ" panose="020B0604030504040204" pitchFamily="50" charset="-128"/>
+            </a:endParaRPr>
+          </a:p>
+          <a:p>
+            <a:r>
               <a:rPr lang="en-US" altLang="ja-JP" sz="1400" dirty="0" smtClean="0">
                 <a:solidFill>
                   <a:schemeClr val="tx1"/>
@@ -7284,7 +7359,7 @@
           <a:lstStyle/>
           <a:p>
             <a:r>
-              <a:rPr kumimoji="1" lang="en-US" altLang="ja-JP" sz="1400" dirty="0" smtClean="0">
+              <a:rPr lang="ja-JP" altLang="en-US" sz="1400" dirty="0" smtClean="0">
                 <a:solidFill>
                   <a:schemeClr val="tx1"/>
                 </a:solidFill>
@@ -7292,7 +7367,39 @@
                 <a:ea typeface="メイリオ" panose="020B0604030504040204" pitchFamily="50" charset="-128"/>
                 <a:cs typeface="メイリオ" panose="020B0604030504040204" pitchFamily="50" charset="-128"/>
               </a:rPr>
-              <a:t>Controller(Servlet)</a:t>
+              <a:t>・ミッチェルさん</a:t>
+            </a:r>
+            <a:endParaRPr lang="en-US" altLang="ja-JP" sz="1400" dirty="0">
+              <a:solidFill>
+                <a:schemeClr val="tx1"/>
+              </a:solidFill>
+              <a:latin typeface="メイリオ" panose="020B0604030504040204" pitchFamily="50" charset="-128"/>
+              <a:ea typeface="メイリオ" panose="020B0604030504040204" pitchFamily="50" charset="-128"/>
+              <a:cs typeface="メイリオ" panose="020B0604030504040204" pitchFamily="50" charset="-128"/>
+            </a:endParaRPr>
+          </a:p>
+          <a:p>
+            <a:r>
+              <a:rPr kumimoji="1" lang="en-US" altLang="ja-JP" sz="1400" dirty="0" smtClean="0">
+                <a:solidFill>
+                  <a:schemeClr val="tx1"/>
+                </a:solidFill>
+                <a:latin typeface="メイリオ" panose="020B0604030504040204" pitchFamily="50" charset="-128"/>
+                <a:ea typeface="メイリオ" panose="020B0604030504040204" pitchFamily="50" charset="-128"/>
+                <a:cs typeface="メイリオ" panose="020B0604030504040204" pitchFamily="50" charset="-128"/>
+              </a:rPr>
+              <a:t>Controller(Servlet</a:t>
+            </a:r>
+            <a:r>
+              <a:rPr kumimoji="1" lang="en-US" altLang="ja-JP" sz="1400" dirty="0" smtClean="0">
+                <a:solidFill>
+                  <a:schemeClr val="tx1"/>
+                </a:solidFill>
+                <a:latin typeface="メイリオ" panose="020B0604030504040204" pitchFamily="50" charset="-128"/>
+                <a:ea typeface="メイリオ" panose="020B0604030504040204" pitchFamily="50" charset="-128"/>
+                <a:cs typeface="メイリオ" panose="020B0604030504040204" pitchFamily="50" charset="-128"/>
+              </a:rPr>
+              <a:t>)</a:t>
             </a:r>
             <a:br>
               <a:rPr kumimoji="1" lang="en-US" altLang="ja-JP" sz="1400" dirty="0" smtClean="0">
@@ -7370,7 +7477,7 @@
           <a:lstStyle/>
           <a:p>
             <a:r>
-              <a:rPr lang="en-US" altLang="ja-JP" sz="1400" dirty="0" smtClean="0">
+              <a:rPr lang="ja-JP" altLang="en-US" sz="1400" dirty="0" smtClean="0">
                 <a:solidFill>
                   <a:schemeClr val="tx1"/>
                 </a:solidFill>
@@ -7378,94 +7485,9 @@
                 <a:ea typeface="メイリオ" panose="020B0604030504040204" pitchFamily="50" charset="-128"/>
                 <a:cs typeface="メイリオ" panose="020B0604030504040204" pitchFamily="50" charset="-128"/>
               </a:rPr>
-              <a:t>Model(Logic)</a:t>
-            </a:r>
-            <a:br>
-              <a:rPr lang="en-US" altLang="ja-JP" sz="1400" dirty="0" smtClean="0">
-                <a:solidFill>
-                  <a:schemeClr val="tx1"/>
-                </a:solidFill>
-                <a:latin typeface="メイリオ" panose="020B0604030504040204" pitchFamily="50" charset="-128"/>
-                <a:ea typeface="メイリオ" panose="020B0604030504040204" pitchFamily="50" charset="-128"/>
-                <a:cs typeface="メイリオ" panose="020B0604030504040204" pitchFamily="50" charset="-128"/>
-              </a:rPr>
-            </a:br>
-            <a:r>
-              <a:rPr lang="en-US" altLang="ja-JP" sz="1400" dirty="0" smtClean="0">
-                <a:solidFill>
-                  <a:schemeClr val="tx1"/>
-                </a:solidFill>
-                <a:latin typeface="メイリオ" panose="020B0604030504040204" pitchFamily="50" charset="-128"/>
-                <a:ea typeface="メイリオ" panose="020B0604030504040204" pitchFamily="50" charset="-128"/>
-                <a:cs typeface="メイリオ" panose="020B0604030504040204" pitchFamily="50" charset="-128"/>
-              </a:rPr>
-              <a:t>BoardLogic.java</a:t>
-            </a:r>
-            <a:r>
-              <a:rPr lang="en-US" altLang="ja-JP" sz="900" dirty="0" smtClean="0">
-                <a:solidFill>
-                  <a:schemeClr val="tx1"/>
-                </a:solidFill>
-                <a:latin typeface="メイリオ" panose="020B0604030504040204" pitchFamily="50" charset="-128"/>
-                <a:ea typeface="メイリオ" panose="020B0604030504040204" pitchFamily="50" charset="-128"/>
-                <a:cs typeface="メイリオ" panose="020B0604030504040204" pitchFamily="50" charset="-128"/>
-              </a:rPr>
-              <a:t/>
-            </a:r>
-            <a:br>
-              <a:rPr lang="en-US" altLang="ja-JP" sz="900" dirty="0" smtClean="0">
-                <a:solidFill>
-                  <a:schemeClr val="tx1"/>
-                </a:solidFill>
-                <a:latin typeface="メイリオ" panose="020B0604030504040204" pitchFamily="50" charset="-128"/>
-                <a:ea typeface="メイリオ" panose="020B0604030504040204" pitchFamily="50" charset="-128"/>
-                <a:cs typeface="メイリオ" panose="020B0604030504040204" pitchFamily="50" charset="-128"/>
-              </a:rPr>
-            </a:br>
-            <a:r>
-              <a:rPr lang="en-US" altLang="ja-JP" sz="900" dirty="0" smtClean="0">
-                <a:solidFill>
-                  <a:schemeClr val="tx1"/>
-                </a:solidFill>
-                <a:latin typeface="メイリオ" panose="020B0604030504040204" pitchFamily="50" charset="-128"/>
-                <a:ea typeface="メイリオ" panose="020B0604030504040204" pitchFamily="50" charset="-128"/>
-                <a:cs typeface="メイリオ" panose="020B0604030504040204" pitchFamily="50" charset="-128"/>
-              </a:rPr>
-              <a:t/>
-            </a:r>
-            <a:br>
-              <a:rPr lang="en-US" altLang="ja-JP" sz="900" dirty="0" smtClean="0">
-                <a:solidFill>
-                  <a:schemeClr val="tx1"/>
-                </a:solidFill>
-                <a:latin typeface="メイリオ" panose="020B0604030504040204" pitchFamily="50" charset="-128"/>
-                <a:ea typeface="メイリオ" panose="020B0604030504040204" pitchFamily="50" charset="-128"/>
-                <a:cs typeface="メイリオ" panose="020B0604030504040204" pitchFamily="50" charset="-128"/>
-              </a:rPr>
-            </a:br>
-            <a:r>
-              <a:rPr lang="en-US" altLang="ja-JP" sz="900" dirty="0" smtClean="0">
-                <a:solidFill>
-                  <a:schemeClr val="tx1"/>
-                </a:solidFill>
-                <a:latin typeface="メイリオ" panose="020B0604030504040204" pitchFamily="50" charset="-128"/>
-                <a:ea typeface="メイリオ" panose="020B0604030504040204" pitchFamily="50" charset="-128"/>
-                <a:cs typeface="メイリオ" panose="020B0604030504040204" pitchFamily="50" charset="-128"/>
-              </a:rPr>
-              <a:t>add</a:t>
-            </a:r>
-            <a:r>
-              <a:rPr lang="ja-JP" altLang="en-US" sz="900" dirty="0" smtClean="0">
-                <a:solidFill>
-                  <a:schemeClr val="tx1"/>
-                </a:solidFill>
-                <a:latin typeface="メイリオ" panose="020B0604030504040204" pitchFamily="50" charset="-128"/>
-                <a:ea typeface="メイリオ" panose="020B0604030504040204" pitchFamily="50" charset="-128"/>
-                <a:cs typeface="メイリオ" panose="020B0604030504040204" pitchFamily="50" charset="-128"/>
-              </a:rPr>
-              <a:t>メソッド</a:t>
-            </a:r>
-            <a:endParaRPr lang="en-US" altLang="ja-JP" sz="900" dirty="0" smtClean="0">
+              <a:t>・向山さん</a:t>
+            </a:r>
+            <a:endParaRPr lang="en-US" altLang="ja-JP" sz="1400" dirty="0" smtClean="0">
               <a:solidFill>
                 <a:schemeClr val="tx1"/>
               </a:solidFill>
@@ -7476,7 +7498,7 @@
           </a:p>
           <a:p>
             <a:r>
-              <a:rPr lang="ja-JP" altLang="en-US" sz="900" dirty="0" smtClean="0">
+              <a:rPr lang="en-US" altLang="ja-JP" sz="1400" dirty="0" smtClean="0">
                 <a:solidFill>
                   <a:schemeClr val="tx1"/>
                 </a:solidFill>
@@ -7484,10 +7506,10 @@
                 <a:ea typeface="メイリオ" panose="020B0604030504040204" pitchFamily="50" charset="-128"/>
                 <a:cs typeface="メイリオ" panose="020B0604030504040204" pitchFamily="50" charset="-128"/>
               </a:rPr>
-              <a:t>引数：</a:t>
-            </a:r>
-            <a:r>
-              <a:rPr lang="en-US" altLang="ja-JP" sz="900" dirty="0" err="1" smtClean="0">
+              <a:t>Model(Logic</a:t>
+            </a:r>
+            <a:r>
+              <a:rPr lang="en-US" altLang="ja-JP" sz="1400" dirty="0" smtClean="0">
                 <a:solidFill>
                   <a:schemeClr val="tx1"/>
                 </a:solidFill>
@@ -7495,10 +7517,10 @@
                 <a:ea typeface="メイリオ" panose="020B0604030504040204" pitchFamily="50" charset="-128"/>
                 <a:cs typeface="メイリオ" panose="020B0604030504040204" pitchFamily="50" charset="-128"/>
               </a:rPr>
-              <a:t>BoardBean</a:t>
-            </a:r>
-            <a:r>
-              <a:rPr lang="en-US" altLang="ja-JP" sz="900" dirty="0" smtClean="0">
+              <a:t>)</a:t>
+            </a:r>
+            <a:br>
+              <a:rPr lang="en-US" altLang="ja-JP" sz="1400" dirty="0" smtClean="0">
                 <a:solidFill>
                   <a:schemeClr val="tx1"/>
                 </a:solidFill>
@@ -7506,10 +7528,9 @@
                 <a:ea typeface="メイリオ" panose="020B0604030504040204" pitchFamily="50" charset="-128"/>
                 <a:cs typeface="メイリオ" panose="020B0604030504040204" pitchFamily="50" charset="-128"/>
               </a:rPr>
-              <a:t/>
-            </a:r>
-            <a:br>
-              <a:rPr lang="en-US" altLang="ja-JP" sz="900" dirty="0" smtClean="0">
+            </a:br>
+            <a:r>
+              <a:rPr lang="en-US" altLang="ja-JP" sz="1400" dirty="0" smtClean="0">
                 <a:solidFill>
                   <a:schemeClr val="tx1"/>
                 </a:solidFill>
@@ -7517,9 +7538,10 @@
                 <a:ea typeface="メイリオ" panose="020B0604030504040204" pitchFamily="50" charset="-128"/>
                 <a:cs typeface="メイリオ" panose="020B0604030504040204" pitchFamily="50" charset="-128"/>
               </a:rPr>
-            </a:br>
-            <a:r>
-              <a:rPr lang="ja-JP" altLang="en-US" sz="900" dirty="0" smtClean="0">
+              <a:t>BoardLogic.java</a:t>
+            </a:r>
+            <a:r>
+              <a:rPr lang="en-US" altLang="ja-JP" sz="900" dirty="0" smtClean="0">
                 <a:solidFill>
                   <a:schemeClr val="tx1"/>
                 </a:solidFill>
@@ -7527,10 +7549,10 @@
                 <a:ea typeface="メイリオ" panose="020B0604030504040204" pitchFamily="50" charset="-128"/>
                 <a:cs typeface="メイリオ" panose="020B0604030504040204" pitchFamily="50" charset="-128"/>
               </a:rPr>
-              <a:t>戻り値：</a:t>
-            </a:r>
-            <a:r>
-              <a:rPr lang="en-US" altLang="ja-JP" sz="900" dirty="0" err="1" smtClean="0">
+              <a:t/>
+            </a:r>
+            <a:br>
+              <a:rPr lang="en-US" altLang="ja-JP" sz="900" dirty="0" smtClean="0">
                 <a:solidFill>
                   <a:schemeClr val="tx1"/>
                 </a:solidFill>
@@ -7538,10 +7560,9 @@
                 <a:ea typeface="メイリオ" panose="020B0604030504040204" pitchFamily="50" charset="-128"/>
                 <a:cs typeface="メイリオ" panose="020B0604030504040204" pitchFamily="50" charset="-128"/>
               </a:rPr>
-              <a:t>ArrayList</a:t>
-            </a:r>
-            <a:r>
-              <a:rPr lang="ja-JP" altLang="en-US" sz="900" dirty="0" smtClean="0">
+            </a:br>
+            <a:r>
+              <a:rPr lang="en-US" altLang="ja-JP" sz="900" dirty="0" smtClean="0">
                 <a:solidFill>
                   <a:schemeClr val="tx1"/>
                 </a:solidFill>
@@ -7549,9 +7570,9 @@
                 <a:ea typeface="メイリオ" panose="020B0604030504040204" pitchFamily="50" charset="-128"/>
                 <a:cs typeface="メイリオ" panose="020B0604030504040204" pitchFamily="50" charset="-128"/>
               </a:rPr>
-              <a:t>＜</a:t>
-            </a:r>
-            <a:r>
+              <a:t/>
+            </a:r>
+            <a:br>
               <a:rPr lang="en-US" altLang="ja-JP" sz="900" dirty="0" smtClean="0">
                 <a:solidFill>
                   <a:schemeClr val="tx1"/>
@@ -7560,462 +7581,7 @@
                 <a:ea typeface="メイリオ" panose="020B0604030504040204" pitchFamily="50" charset="-128"/>
                 <a:cs typeface="メイリオ" panose="020B0604030504040204" pitchFamily="50" charset="-128"/>
               </a:rPr>
-              <a:t>String</a:t>
-            </a:r>
-            <a:r>
-              <a:rPr lang="ja-JP" altLang="en-US" sz="900" dirty="0" smtClean="0">
-                <a:solidFill>
-                  <a:schemeClr val="tx1"/>
-                </a:solidFill>
-                <a:latin typeface="メイリオ" panose="020B0604030504040204" pitchFamily="50" charset="-128"/>
-                <a:ea typeface="メイリオ" panose="020B0604030504040204" pitchFamily="50" charset="-128"/>
-                <a:cs typeface="メイリオ" panose="020B0604030504040204" pitchFamily="50" charset="-128"/>
-              </a:rPr>
-              <a:t>＞</a:t>
-            </a:r>
-            <a:r>
-              <a:rPr lang="en-US" altLang="ja-JP" sz="900" dirty="0" smtClean="0">
-                <a:solidFill>
-                  <a:schemeClr val="tx1"/>
-                </a:solidFill>
-                <a:latin typeface="メイリオ" panose="020B0604030504040204" pitchFamily="50" charset="-128"/>
-                <a:ea typeface="メイリオ" panose="020B0604030504040204" pitchFamily="50" charset="-128"/>
-                <a:cs typeface="メイリオ" panose="020B0604030504040204" pitchFamily="50" charset="-128"/>
-              </a:rPr>
-              <a:t/>
-            </a:r>
-            <a:br>
-              <a:rPr lang="en-US" altLang="ja-JP" sz="900" dirty="0" smtClean="0">
-                <a:solidFill>
-                  <a:schemeClr val="tx1"/>
-                </a:solidFill>
-                <a:latin typeface="メイリオ" panose="020B0604030504040204" pitchFamily="50" charset="-128"/>
-                <a:ea typeface="メイリオ" panose="020B0604030504040204" pitchFamily="50" charset="-128"/>
-                <a:cs typeface="メイリオ" panose="020B0604030504040204" pitchFamily="50" charset="-128"/>
-              </a:rPr>
             </a:br>
-            <a:r>
-              <a:rPr lang="en-US" altLang="ja-JP" sz="900" dirty="0" smtClean="0">
-                <a:solidFill>
-                  <a:schemeClr val="tx1"/>
-                </a:solidFill>
-                <a:latin typeface="メイリオ" panose="020B0604030504040204" pitchFamily="50" charset="-128"/>
-                <a:ea typeface="メイリオ" panose="020B0604030504040204" pitchFamily="50" charset="-128"/>
-                <a:cs typeface="メイリオ" panose="020B0604030504040204" pitchFamily="50" charset="-128"/>
-              </a:rPr>
-              <a:t/>
-            </a:r>
-            <a:br>
-              <a:rPr lang="en-US" altLang="ja-JP" sz="900" dirty="0" smtClean="0">
-                <a:solidFill>
-                  <a:schemeClr val="tx1"/>
-                </a:solidFill>
-                <a:latin typeface="メイリオ" panose="020B0604030504040204" pitchFamily="50" charset="-128"/>
-                <a:ea typeface="メイリオ" panose="020B0604030504040204" pitchFamily="50" charset="-128"/>
-                <a:cs typeface="メイリオ" panose="020B0604030504040204" pitchFamily="50" charset="-128"/>
-              </a:rPr>
-            </a:br>
-            <a:r>
-              <a:rPr lang="en-US" altLang="ja-JP" sz="900" dirty="0" smtClean="0">
-                <a:solidFill>
-                  <a:schemeClr val="tx1"/>
-                </a:solidFill>
-                <a:latin typeface="メイリオ" panose="020B0604030504040204" pitchFamily="50" charset="-128"/>
-                <a:ea typeface="メイリオ" panose="020B0604030504040204" pitchFamily="50" charset="-128"/>
-                <a:cs typeface="メイリオ" panose="020B0604030504040204" pitchFamily="50" charset="-128"/>
-              </a:rPr>
-              <a:t>admin</a:t>
-            </a:r>
-            <a:r>
-              <a:rPr lang="ja-JP" altLang="en-US" sz="900" dirty="0" smtClean="0">
-                <a:solidFill>
-                  <a:schemeClr val="tx1"/>
-                </a:solidFill>
-                <a:latin typeface="メイリオ" panose="020B0604030504040204" pitchFamily="50" charset="-128"/>
-                <a:ea typeface="メイリオ" panose="020B0604030504040204" pitchFamily="50" charset="-128"/>
-                <a:cs typeface="メイリオ" panose="020B0604030504040204" pitchFamily="50" charset="-128"/>
-              </a:rPr>
-              <a:t>メソッド</a:t>
-            </a:r>
-            <a:endParaRPr lang="en-US" altLang="ja-JP" sz="900" dirty="0">
-              <a:solidFill>
-                <a:schemeClr val="tx1"/>
-              </a:solidFill>
-              <a:latin typeface="メイリオ" panose="020B0604030504040204" pitchFamily="50" charset="-128"/>
-              <a:ea typeface="メイリオ" panose="020B0604030504040204" pitchFamily="50" charset="-128"/>
-              <a:cs typeface="メイリオ" panose="020B0604030504040204" pitchFamily="50" charset="-128"/>
-            </a:endParaRPr>
-          </a:p>
-          <a:p>
-            <a:r>
-              <a:rPr lang="ja-JP" altLang="en-US" sz="900" dirty="0">
-                <a:solidFill>
-                  <a:schemeClr val="tx1"/>
-                </a:solidFill>
-                <a:latin typeface="メイリオ" panose="020B0604030504040204" pitchFamily="50" charset="-128"/>
-                <a:ea typeface="メイリオ" panose="020B0604030504040204" pitchFamily="50" charset="-128"/>
-                <a:cs typeface="メイリオ" panose="020B0604030504040204" pitchFamily="50" charset="-128"/>
-              </a:rPr>
-              <a:t>引数</a:t>
-            </a:r>
-            <a:r>
-              <a:rPr lang="ja-JP" altLang="en-US" sz="900" dirty="0" smtClean="0">
-                <a:solidFill>
-                  <a:schemeClr val="tx1"/>
-                </a:solidFill>
-                <a:latin typeface="メイリオ" panose="020B0604030504040204" pitchFamily="50" charset="-128"/>
-                <a:ea typeface="メイリオ" panose="020B0604030504040204" pitchFamily="50" charset="-128"/>
-                <a:cs typeface="メイリオ" panose="020B0604030504040204" pitchFamily="50" charset="-128"/>
-              </a:rPr>
-              <a:t>：</a:t>
-            </a:r>
-            <a:r>
-              <a:rPr lang="en-US" altLang="ja-JP" sz="900" dirty="0" smtClean="0">
-                <a:solidFill>
-                  <a:schemeClr val="tx1"/>
-                </a:solidFill>
-                <a:latin typeface="メイリオ" panose="020B0604030504040204" pitchFamily="50" charset="-128"/>
-                <a:ea typeface="メイリオ" panose="020B0604030504040204" pitchFamily="50" charset="-128"/>
-                <a:cs typeface="メイリオ" panose="020B0604030504040204" pitchFamily="50" charset="-128"/>
-              </a:rPr>
-              <a:t>String</a:t>
-            </a:r>
-            <a:r>
-              <a:rPr lang="en-US" altLang="ja-JP" sz="900" dirty="0">
-                <a:solidFill>
-                  <a:schemeClr val="tx1"/>
-                </a:solidFill>
-                <a:latin typeface="メイリオ" panose="020B0604030504040204" pitchFamily="50" charset="-128"/>
-                <a:ea typeface="メイリオ" panose="020B0604030504040204" pitchFamily="50" charset="-128"/>
-                <a:cs typeface="メイリオ" panose="020B0604030504040204" pitchFamily="50" charset="-128"/>
-              </a:rPr>
-              <a:t/>
-            </a:r>
-            <a:br>
-              <a:rPr lang="en-US" altLang="ja-JP" sz="900" dirty="0">
-                <a:solidFill>
-                  <a:schemeClr val="tx1"/>
-                </a:solidFill>
-                <a:latin typeface="メイリオ" panose="020B0604030504040204" pitchFamily="50" charset="-128"/>
-                <a:ea typeface="メイリオ" panose="020B0604030504040204" pitchFamily="50" charset="-128"/>
-                <a:cs typeface="メイリオ" panose="020B0604030504040204" pitchFamily="50" charset="-128"/>
-              </a:rPr>
-            </a:br>
-            <a:r>
-              <a:rPr lang="ja-JP" altLang="en-US" sz="900" dirty="0">
-                <a:solidFill>
-                  <a:schemeClr val="tx1"/>
-                </a:solidFill>
-                <a:latin typeface="メイリオ" panose="020B0604030504040204" pitchFamily="50" charset="-128"/>
-                <a:ea typeface="メイリオ" panose="020B0604030504040204" pitchFamily="50" charset="-128"/>
-                <a:cs typeface="メイリオ" panose="020B0604030504040204" pitchFamily="50" charset="-128"/>
-              </a:rPr>
-              <a:t>戻り値：</a:t>
-            </a:r>
-            <a:r>
-              <a:rPr lang="en-US" altLang="ja-JP" sz="900" dirty="0" err="1">
-                <a:solidFill>
-                  <a:schemeClr val="tx1"/>
-                </a:solidFill>
-                <a:latin typeface="メイリオ" panose="020B0604030504040204" pitchFamily="50" charset="-128"/>
-                <a:ea typeface="メイリオ" panose="020B0604030504040204" pitchFamily="50" charset="-128"/>
-                <a:cs typeface="メイリオ" panose="020B0604030504040204" pitchFamily="50" charset="-128"/>
-              </a:rPr>
-              <a:t>ArrayList</a:t>
-            </a:r>
-            <a:r>
-              <a:rPr lang="ja-JP" altLang="en-US" sz="900" dirty="0">
-                <a:solidFill>
-                  <a:schemeClr val="tx1"/>
-                </a:solidFill>
-                <a:latin typeface="メイリオ" panose="020B0604030504040204" pitchFamily="50" charset="-128"/>
-                <a:ea typeface="メイリオ" panose="020B0604030504040204" pitchFamily="50" charset="-128"/>
-                <a:cs typeface="メイリオ" panose="020B0604030504040204" pitchFamily="50" charset="-128"/>
-              </a:rPr>
-              <a:t>＜</a:t>
-            </a:r>
-            <a:r>
-              <a:rPr lang="en-US" altLang="ja-JP" sz="900" dirty="0">
-                <a:solidFill>
-                  <a:schemeClr val="tx1"/>
-                </a:solidFill>
-                <a:latin typeface="メイリオ" panose="020B0604030504040204" pitchFamily="50" charset="-128"/>
-                <a:ea typeface="メイリオ" panose="020B0604030504040204" pitchFamily="50" charset="-128"/>
-                <a:cs typeface="メイリオ" panose="020B0604030504040204" pitchFamily="50" charset="-128"/>
-              </a:rPr>
-              <a:t>String</a:t>
-            </a:r>
-            <a:r>
-              <a:rPr lang="ja-JP" altLang="en-US" sz="900" dirty="0">
-                <a:solidFill>
-                  <a:schemeClr val="tx1"/>
-                </a:solidFill>
-                <a:latin typeface="メイリオ" panose="020B0604030504040204" pitchFamily="50" charset="-128"/>
-                <a:ea typeface="メイリオ" panose="020B0604030504040204" pitchFamily="50" charset="-128"/>
-                <a:cs typeface="メイリオ" panose="020B0604030504040204" pitchFamily="50" charset="-128"/>
-              </a:rPr>
-              <a:t>＞</a:t>
-            </a:r>
-            <a:r>
-              <a:rPr lang="en-US" altLang="ja-JP" sz="900" dirty="0">
-                <a:solidFill>
-                  <a:schemeClr val="tx1"/>
-                </a:solidFill>
-                <a:latin typeface="メイリオ" panose="020B0604030504040204" pitchFamily="50" charset="-128"/>
-                <a:ea typeface="メイリオ" panose="020B0604030504040204" pitchFamily="50" charset="-128"/>
-                <a:cs typeface="メイリオ" panose="020B0604030504040204" pitchFamily="50" charset="-128"/>
-              </a:rPr>
-              <a:t/>
-            </a:r>
-            <a:br>
-              <a:rPr lang="en-US" altLang="ja-JP" sz="900" dirty="0">
-                <a:solidFill>
-                  <a:schemeClr val="tx1"/>
-                </a:solidFill>
-                <a:latin typeface="メイリオ" panose="020B0604030504040204" pitchFamily="50" charset="-128"/>
-                <a:ea typeface="メイリオ" panose="020B0604030504040204" pitchFamily="50" charset="-128"/>
-                <a:cs typeface="メイリオ" panose="020B0604030504040204" pitchFamily="50" charset="-128"/>
-              </a:rPr>
-            </a:br>
-            <a:r>
-              <a:rPr lang="en-US" altLang="ja-JP" sz="900" dirty="0">
-                <a:solidFill>
-                  <a:schemeClr val="tx1"/>
-                </a:solidFill>
-                <a:latin typeface="メイリオ" panose="020B0604030504040204" pitchFamily="50" charset="-128"/>
-                <a:ea typeface="メイリオ" panose="020B0604030504040204" pitchFamily="50" charset="-128"/>
-                <a:cs typeface="メイリオ" panose="020B0604030504040204" pitchFamily="50" charset="-128"/>
-              </a:rPr>
-              <a:t/>
-            </a:r>
-            <a:br>
-              <a:rPr lang="en-US" altLang="ja-JP" sz="900" dirty="0">
-                <a:solidFill>
-                  <a:schemeClr val="tx1"/>
-                </a:solidFill>
-                <a:latin typeface="メイリオ" panose="020B0604030504040204" pitchFamily="50" charset="-128"/>
-                <a:ea typeface="メイリオ" panose="020B0604030504040204" pitchFamily="50" charset="-128"/>
-                <a:cs typeface="メイリオ" panose="020B0604030504040204" pitchFamily="50" charset="-128"/>
-              </a:rPr>
-            </a:br>
-            <a:r>
-              <a:rPr lang="en-US" altLang="ja-JP" sz="900" dirty="0" smtClean="0">
-                <a:solidFill>
-                  <a:schemeClr val="tx1"/>
-                </a:solidFill>
-                <a:latin typeface="メイリオ" panose="020B0604030504040204" pitchFamily="50" charset="-128"/>
-                <a:ea typeface="メイリオ" panose="020B0604030504040204" pitchFamily="50" charset="-128"/>
-                <a:cs typeface="メイリオ" panose="020B0604030504040204" pitchFamily="50" charset="-128"/>
-              </a:rPr>
-              <a:t>del</a:t>
-            </a:r>
-            <a:r>
-              <a:rPr lang="ja-JP" altLang="en-US" sz="900" dirty="0" smtClean="0">
-                <a:solidFill>
-                  <a:schemeClr val="tx1"/>
-                </a:solidFill>
-                <a:latin typeface="メイリオ" panose="020B0604030504040204" pitchFamily="50" charset="-128"/>
-                <a:ea typeface="メイリオ" panose="020B0604030504040204" pitchFamily="50" charset="-128"/>
-                <a:cs typeface="メイリオ" panose="020B0604030504040204" pitchFamily="50" charset="-128"/>
-              </a:rPr>
-              <a:t>メソッド</a:t>
-            </a:r>
-            <a:endParaRPr lang="en-US" altLang="ja-JP" sz="900" dirty="0">
-              <a:solidFill>
-                <a:schemeClr val="tx1"/>
-              </a:solidFill>
-              <a:latin typeface="メイリオ" panose="020B0604030504040204" pitchFamily="50" charset="-128"/>
-              <a:ea typeface="メイリオ" panose="020B0604030504040204" pitchFamily="50" charset="-128"/>
-              <a:cs typeface="メイリオ" panose="020B0604030504040204" pitchFamily="50" charset="-128"/>
-            </a:endParaRPr>
-          </a:p>
-          <a:p>
-            <a:r>
-              <a:rPr lang="ja-JP" altLang="en-US" sz="900" dirty="0">
-                <a:solidFill>
-                  <a:schemeClr val="tx1"/>
-                </a:solidFill>
-                <a:latin typeface="メイリオ" panose="020B0604030504040204" pitchFamily="50" charset="-128"/>
-                <a:ea typeface="メイリオ" panose="020B0604030504040204" pitchFamily="50" charset="-128"/>
-                <a:cs typeface="メイリオ" panose="020B0604030504040204" pitchFamily="50" charset="-128"/>
-              </a:rPr>
-              <a:t>引数</a:t>
-            </a:r>
-            <a:r>
-              <a:rPr lang="ja-JP" altLang="en-US" sz="900" dirty="0" smtClean="0">
-                <a:solidFill>
-                  <a:schemeClr val="tx1"/>
-                </a:solidFill>
-                <a:latin typeface="メイリオ" panose="020B0604030504040204" pitchFamily="50" charset="-128"/>
-                <a:ea typeface="メイリオ" panose="020B0604030504040204" pitchFamily="50" charset="-128"/>
-                <a:cs typeface="メイリオ" panose="020B0604030504040204" pitchFamily="50" charset="-128"/>
-              </a:rPr>
-              <a:t>：</a:t>
-            </a:r>
-            <a:r>
-              <a:rPr lang="en-US" altLang="ja-JP" sz="900" dirty="0">
-                <a:solidFill>
-                  <a:schemeClr val="tx1"/>
-                </a:solidFill>
-                <a:latin typeface="メイリオ" panose="020B0604030504040204" pitchFamily="50" charset="-128"/>
-                <a:ea typeface="メイリオ" panose="020B0604030504040204" pitchFamily="50" charset="-128"/>
-                <a:cs typeface="メイリオ" panose="020B0604030504040204" pitchFamily="50" charset="-128"/>
-              </a:rPr>
-              <a:t> String </a:t>
-            </a:r>
-            <a:r>
-              <a:rPr lang="en-US" altLang="ja-JP" sz="900" dirty="0" smtClean="0">
-                <a:solidFill>
-                  <a:schemeClr val="tx1"/>
-                </a:solidFill>
-                <a:latin typeface="メイリオ" panose="020B0604030504040204" pitchFamily="50" charset="-128"/>
-                <a:ea typeface="メイリオ" panose="020B0604030504040204" pitchFamily="50" charset="-128"/>
-                <a:cs typeface="メイリオ" panose="020B0604030504040204" pitchFamily="50" charset="-128"/>
-              </a:rPr>
-              <a:t>,</a:t>
-            </a:r>
-            <a:r>
-              <a:rPr lang="en-US" altLang="ja-JP" sz="900" dirty="0" err="1" smtClean="0">
-                <a:solidFill>
-                  <a:schemeClr val="tx1"/>
-                </a:solidFill>
-                <a:latin typeface="メイリオ" panose="020B0604030504040204" pitchFamily="50" charset="-128"/>
-                <a:ea typeface="メイリオ" panose="020B0604030504040204" pitchFamily="50" charset="-128"/>
-                <a:cs typeface="メイリオ" panose="020B0604030504040204" pitchFamily="50" charset="-128"/>
-              </a:rPr>
-              <a:t>ArrayList</a:t>
-            </a:r>
-            <a:r>
-              <a:rPr lang="ja-JP" altLang="en-US" sz="900" dirty="0" smtClean="0">
-                <a:solidFill>
-                  <a:schemeClr val="tx1"/>
-                </a:solidFill>
-                <a:latin typeface="メイリオ" panose="020B0604030504040204" pitchFamily="50" charset="-128"/>
-                <a:ea typeface="メイリオ" panose="020B0604030504040204" pitchFamily="50" charset="-128"/>
-                <a:cs typeface="メイリオ" panose="020B0604030504040204" pitchFamily="50" charset="-128"/>
-              </a:rPr>
-              <a:t>＜</a:t>
-            </a:r>
-            <a:r>
-              <a:rPr lang="en-US" altLang="ja-JP" sz="900" dirty="0" err="1" smtClean="0">
-                <a:solidFill>
-                  <a:schemeClr val="tx1"/>
-                </a:solidFill>
-                <a:latin typeface="メイリオ" panose="020B0604030504040204" pitchFamily="50" charset="-128"/>
-                <a:ea typeface="メイリオ" panose="020B0604030504040204" pitchFamily="50" charset="-128"/>
-                <a:cs typeface="メイリオ" panose="020B0604030504040204" pitchFamily="50" charset="-128"/>
-              </a:rPr>
-              <a:t>BoardBean</a:t>
-            </a:r>
-            <a:r>
-              <a:rPr lang="en-US" altLang="ja-JP" sz="900" dirty="0" smtClean="0">
-                <a:solidFill>
-                  <a:schemeClr val="tx1"/>
-                </a:solidFill>
-                <a:latin typeface="メイリオ" panose="020B0604030504040204" pitchFamily="50" charset="-128"/>
-                <a:ea typeface="メイリオ" panose="020B0604030504040204" pitchFamily="50" charset="-128"/>
-                <a:cs typeface="メイリオ" panose="020B0604030504040204" pitchFamily="50" charset="-128"/>
-              </a:rPr>
-              <a:t> </a:t>
-            </a:r>
-            <a:r>
-              <a:rPr lang="ja-JP" altLang="en-US" sz="900" dirty="0" smtClean="0">
-                <a:solidFill>
-                  <a:schemeClr val="tx1"/>
-                </a:solidFill>
-                <a:latin typeface="メイリオ" panose="020B0604030504040204" pitchFamily="50" charset="-128"/>
-                <a:ea typeface="メイリオ" panose="020B0604030504040204" pitchFamily="50" charset="-128"/>
-                <a:cs typeface="メイリオ" panose="020B0604030504040204" pitchFamily="50" charset="-128"/>
-              </a:rPr>
-              <a:t>＞</a:t>
-            </a:r>
-            <a:r>
-              <a:rPr lang="en-US" altLang="ja-JP" sz="900" dirty="0">
-                <a:solidFill>
-                  <a:schemeClr val="tx1"/>
-                </a:solidFill>
-                <a:latin typeface="メイリオ" panose="020B0604030504040204" pitchFamily="50" charset="-128"/>
-                <a:ea typeface="メイリオ" panose="020B0604030504040204" pitchFamily="50" charset="-128"/>
-                <a:cs typeface="メイリオ" panose="020B0604030504040204" pitchFamily="50" charset="-128"/>
-              </a:rPr>
-              <a:t/>
-            </a:r>
-            <a:br>
-              <a:rPr lang="en-US" altLang="ja-JP" sz="900" dirty="0">
-                <a:solidFill>
-                  <a:schemeClr val="tx1"/>
-                </a:solidFill>
-                <a:latin typeface="メイリオ" panose="020B0604030504040204" pitchFamily="50" charset="-128"/>
-                <a:ea typeface="メイリオ" panose="020B0604030504040204" pitchFamily="50" charset="-128"/>
-                <a:cs typeface="メイリオ" panose="020B0604030504040204" pitchFamily="50" charset="-128"/>
-              </a:rPr>
-            </a:br>
-            <a:r>
-              <a:rPr lang="ja-JP" altLang="en-US" sz="900" dirty="0" smtClean="0">
-                <a:solidFill>
-                  <a:schemeClr val="tx1"/>
-                </a:solidFill>
-                <a:latin typeface="メイリオ" panose="020B0604030504040204" pitchFamily="50" charset="-128"/>
-                <a:ea typeface="メイリオ" panose="020B0604030504040204" pitchFamily="50" charset="-128"/>
-                <a:cs typeface="メイリオ" panose="020B0604030504040204" pitchFamily="50" charset="-128"/>
-              </a:rPr>
-              <a:t>戻り値</a:t>
-            </a:r>
-            <a:r>
-              <a:rPr lang="ja-JP" altLang="en-US" sz="900" dirty="0">
-                <a:solidFill>
-                  <a:schemeClr val="tx1"/>
-                </a:solidFill>
-                <a:latin typeface="メイリオ" panose="020B0604030504040204" pitchFamily="50" charset="-128"/>
-                <a:ea typeface="メイリオ" panose="020B0604030504040204" pitchFamily="50" charset="-128"/>
-                <a:cs typeface="メイリオ" panose="020B0604030504040204" pitchFamily="50" charset="-128"/>
-              </a:rPr>
-              <a:t>：</a:t>
-            </a:r>
-            <a:r>
-              <a:rPr lang="en-US" altLang="ja-JP" sz="900" dirty="0" err="1">
-                <a:solidFill>
-                  <a:schemeClr val="tx1"/>
-                </a:solidFill>
-                <a:latin typeface="メイリオ" panose="020B0604030504040204" pitchFamily="50" charset="-128"/>
-                <a:ea typeface="メイリオ" panose="020B0604030504040204" pitchFamily="50" charset="-128"/>
-                <a:cs typeface="メイリオ" panose="020B0604030504040204" pitchFamily="50" charset="-128"/>
-              </a:rPr>
-              <a:t>ArrayList</a:t>
-            </a:r>
-            <a:r>
-              <a:rPr lang="ja-JP" altLang="en-US" sz="900" dirty="0">
-                <a:solidFill>
-                  <a:schemeClr val="tx1"/>
-                </a:solidFill>
-                <a:latin typeface="メイリオ" panose="020B0604030504040204" pitchFamily="50" charset="-128"/>
-                <a:ea typeface="メイリオ" panose="020B0604030504040204" pitchFamily="50" charset="-128"/>
-                <a:cs typeface="メイリオ" panose="020B0604030504040204" pitchFamily="50" charset="-128"/>
-              </a:rPr>
-              <a:t>＜</a:t>
-            </a:r>
-            <a:r>
-              <a:rPr lang="en-US" altLang="ja-JP" sz="900" dirty="0">
-                <a:solidFill>
-                  <a:schemeClr val="tx1"/>
-                </a:solidFill>
-                <a:latin typeface="メイリオ" panose="020B0604030504040204" pitchFamily="50" charset="-128"/>
-                <a:ea typeface="メイリオ" panose="020B0604030504040204" pitchFamily="50" charset="-128"/>
-                <a:cs typeface="メイリオ" panose="020B0604030504040204" pitchFamily="50" charset="-128"/>
-              </a:rPr>
-              <a:t>String</a:t>
-            </a:r>
-            <a:r>
-              <a:rPr lang="ja-JP" altLang="en-US" sz="900" dirty="0" smtClean="0">
-                <a:solidFill>
-                  <a:schemeClr val="tx1"/>
-                </a:solidFill>
-                <a:latin typeface="メイリオ" panose="020B0604030504040204" pitchFamily="50" charset="-128"/>
-                <a:ea typeface="メイリオ" panose="020B0604030504040204" pitchFamily="50" charset="-128"/>
-                <a:cs typeface="メイリオ" panose="020B0604030504040204" pitchFamily="50" charset="-128"/>
-              </a:rPr>
-              <a:t>＞</a:t>
-            </a:r>
             <a:endParaRPr kumimoji="1" lang="ja-JP" altLang="en-US" sz="900" dirty="0">
               <a:solidFill>
                 <a:schemeClr val="tx1"/>
@@ -9511,7 +9077,7 @@
           <a:lstStyle/>
           <a:p>
             <a:r>
-              <a:rPr lang="en-US" altLang="ja-JP" sz="1400" dirty="0">
+              <a:rPr lang="ja-JP" altLang="en-US" sz="1400" smtClean="0">
                 <a:solidFill>
                   <a:schemeClr val="tx1"/>
                 </a:solidFill>
@@ -9519,77 +9085,11 @@
                 <a:ea typeface="メイリオ" panose="020B0604030504040204" pitchFamily="50" charset="-128"/>
                 <a:cs typeface="メイリオ" panose="020B0604030504040204" pitchFamily="50" charset="-128"/>
               </a:rPr>
-              <a:t>Model(Logic)</a:t>
-            </a:r>
-            <a:br>
-              <a:rPr lang="en-US" altLang="ja-JP" sz="1400" dirty="0">
-                <a:solidFill>
-                  <a:schemeClr val="tx1"/>
-                </a:solidFill>
-                <a:latin typeface="メイリオ" panose="020B0604030504040204" pitchFamily="50" charset="-128"/>
-                <a:ea typeface="メイリオ" panose="020B0604030504040204" pitchFamily="50" charset="-128"/>
-                <a:cs typeface="メイリオ" panose="020B0604030504040204" pitchFamily="50" charset="-128"/>
-              </a:rPr>
-            </a:br>
-            <a:r>
-              <a:rPr lang="en-US" altLang="ja-JP" sz="1400" dirty="0" smtClean="0">
-                <a:solidFill>
-                  <a:schemeClr val="tx1"/>
-                </a:solidFill>
-                <a:latin typeface="メイリオ" panose="020B0604030504040204" pitchFamily="50" charset="-128"/>
-                <a:ea typeface="メイリオ" panose="020B0604030504040204" pitchFamily="50" charset="-128"/>
-                <a:cs typeface="メイリオ" panose="020B0604030504040204" pitchFamily="50" charset="-128"/>
-              </a:rPr>
-              <a:t>DaoLogic.java</a:t>
-            </a:r>
-          </a:p>
-          <a:p>
-            <a:r>
-              <a:rPr lang="en-US" altLang="ja-JP" sz="900" dirty="0">
-                <a:solidFill>
-                  <a:schemeClr val="tx1"/>
-                </a:solidFill>
-                <a:latin typeface="メイリオ" panose="020B0604030504040204" pitchFamily="50" charset="-128"/>
-                <a:ea typeface="メイリオ" panose="020B0604030504040204" pitchFamily="50" charset="-128"/>
-                <a:cs typeface="メイリオ" panose="020B0604030504040204" pitchFamily="50" charset="-128"/>
-              </a:rPr>
-              <a:t/>
-            </a:r>
-            <a:br>
-              <a:rPr lang="en-US" altLang="ja-JP" sz="900" dirty="0">
-                <a:solidFill>
-                  <a:schemeClr val="tx1"/>
-                </a:solidFill>
-                <a:latin typeface="メイリオ" panose="020B0604030504040204" pitchFamily="50" charset="-128"/>
-                <a:ea typeface="メイリオ" panose="020B0604030504040204" pitchFamily="50" charset="-128"/>
-                <a:cs typeface="メイリオ" panose="020B0604030504040204" pitchFamily="50" charset="-128"/>
-              </a:rPr>
-            </a:br>
-            <a:r>
-              <a:rPr lang="en-US" altLang="ja-JP" sz="900" dirty="0">
-                <a:solidFill>
-                  <a:srgbClr val="FF0000"/>
-                </a:solidFill>
-                <a:latin typeface="メイリオ" panose="020B0604030504040204" pitchFamily="50" charset="-128"/>
-                <a:ea typeface="メイリオ" panose="020B0604030504040204" pitchFamily="50" charset="-128"/>
-                <a:cs typeface="メイリオ" panose="020B0604030504040204" pitchFamily="50" charset="-128"/>
-              </a:rPr>
-              <a:t>add</a:t>
-            </a:r>
-            <a:r>
-              <a:rPr lang="ja-JP" altLang="en-US" sz="900" dirty="0">
-                <a:solidFill>
-                  <a:srgbClr val="FF0000"/>
-                </a:solidFill>
-                <a:latin typeface="メイリオ" panose="020B0604030504040204" pitchFamily="50" charset="-128"/>
-                <a:ea typeface="メイリオ" panose="020B0604030504040204" pitchFamily="50" charset="-128"/>
-                <a:cs typeface="メイリオ" panose="020B0604030504040204" pitchFamily="50" charset="-128"/>
-              </a:rPr>
-              <a:t>メソッド</a:t>
-            </a:r>
-            <a:endParaRPr lang="en-US" altLang="ja-JP" sz="900" dirty="0">
+              <a:t>・香川</a:t>
+            </a:r>
+            <a:endParaRPr lang="en-US" altLang="ja-JP" sz="1400">
               <a:solidFill>
-                <a:srgbClr val="FF0000"/>
+                <a:schemeClr val="tx1"/>
               </a:solidFill>
               <a:latin typeface="メイリオ" panose="020B0604030504040204" pitchFamily="50" charset="-128"/>
               <a:ea typeface="メイリオ" panose="020B0604030504040204" pitchFamily="50" charset="-128"/>
@@ -9598,508 +9098,65 @@
           </a:p>
           <a:p>
             <a:r>
-              <a:rPr lang="ja-JP" altLang="en-US" sz="900" dirty="0">
-                <a:solidFill>
-                  <a:srgbClr val="FF0000"/>
+              <a:rPr lang="en-US" altLang="ja-JP" sz="1400" dirty="0" smtClean="0">
+                <a:solidFill>
+                  <a:schemeClr val="tx1"/>
                 </a:solidFill>
                 <a:latin typeface="メイリオ" panose="020B0604030504040204" pitchFamily="50" charset="-128"/>
                 <a:ea typeface="メイリオ" panose="020B0604030504040204" pitchFamily="50" charset="-128"/>
                 <a:cs typeface="メイリオ" panose="020B0604030504040204" pitchFamily="50" charset="-128"/>
               </a:rPr>
-              <a:t>引数：</a:t>
-            </a:r>
-            <a:r>
-              <a:rPr lang="en-US" altLang="ja-JP" sz="900" dirty="0" err="1">
-                <a:solidFill>
-                  <a:srgbClr val="FF0000"/>
+              <a:t>Model(Logic</a:t>
+            </a:r>
+            <a:r>
+              <a:rPr lang="en-US" altLang="ja-JP" sz="1400" dirty="0">
+                <a:solidFill>
+                  <a:schemeClr val="tx1"/>
                 </a:solidFill>
                 <a:latin typeface="メイリオ" panose="020B0604030504040204" pitchFamily="50" charset="-128"/>
                 <a:ea typeface="メイリオ" panose="020B0604030504040204" pitchFamily="50" charset="-128"/>
                 <a:cs typeface="メイリオ" panose="020B0604030504040204" pitchFamily="50" charset="-128"/>
               </a:rPr>
-              <a:t>BoardBean</a:t>
-            </a:r>
-            <a:r>
-              <a:rPr lang="en-US" altLang="ja-JP" sz="900" dirty="0">
-                <a:solidFill>
-                  <a:srgbClr val="FF0000"/>
+              <a:t>)</a:t>
+            </a:r>
+            <a:br>
+              <a:rPr lang="en-US" altLang="ja-JP" sz="1400" dirty="0">
+                <a:solidFill>
+                  <a:schemeClr val="tx1"/>
                 </a:solidFill>
                 <a:latin typeface="メイリオ" panose="020B0604030504040204" pitchFamily="50" charset="-128"/>
                 <a:ea typeface="メイリオ" panose="020B0604030504040204" pitchFamily="50" charset="-128"/>
                 <a:cs typeface="メイリオ" panose="020B0604030504040204" pitchFamily="50" charset="-128"/>
               </a:rPr>
-              <a:t/>
-            </a:r>
-            <a:br>
-              <a:rPr lang="en-US" altLang="ja-JP" sz="900" dirty="0">
-                <a:solidFill>
-                  <a:srgbClr val="FF0000"/>
+            </a:br>
+            <a:r>
+              <a:rPr lang="en-US" altLang="ja-JP" sz="1400" dirty="0" smtClean="0">
+                <a:solidFill>
+                  <a:schemeClr val="tx1"/>
                 </a:solidFill>
                 <a:latin typeface="メイリオ" panose="020B0604030504040204" pitchFamily="50" charset="-128"/>
                 <a:ea typeface="メイリオ" panose="020B0604030504040204" pitchFamily="50" charset="-128"/>
                 <a:cs typeface="メイリオ" panose="020B0604030504040204" pitchFamily="50" charset="-128"/>
               </a:rPr>
-            </a:br>
-            <a:r>
-              <a:rPr lang="ja-JP" altLang="en-US" sz="900" dirty="0">
-                <a:solidFill>
-                  <a:srgbClr val="FF0000"/>
+              <a:t>DaoLogic.java</a:t>
+            </a:r>
+          </a:p>
+          <a:p>
+            <a:r>
+              <a:rPr lang="en-US" altLang="ja-JP" sz="900" dirty="0">
+                <a:solidFill>
+                  <a:schemeClr val="tx1"/>
                 </a:solidFill>
                 <a:latin typeface="メイリオ" panose="020B0604030504040204" pitchFamily="50" charset="-128"/>
                 <a:ea typeface="メイリオ" panose="020B0604030504040204" pitchFamily="50" charset="-128"/>
                 <a:cs typeface="メイリオ" panose="020B0604030504040204" pitchFamily="50" charset="-128"/>
               </a:rPr>
-              <a:t>戻り値：</a:t>
-            </a:r>
-            <a:r>
-              <a:rPr lang="en-US" altLang="ja-JP" sz="900" dirty="0" err="1">
-                <a:solidFill>
-                  <a:srgbClr val="FF0000"/>
-                </a:solidFill>
-                <a:latin typeface="メイリオ" panose="020B0604030504040204" pitchFamily="50" charset="-128"/>
-                <a:ea typeface="メイリオ" panose="020B0604030504040204" pitchFamily="50" charset="-128"/>
-                <a:cs typeface="メイリオ" panose="020B0604030504040204" pitchFamily="50" charset="-128"/>
-              </a:rPr>
-              <a:t>ArrayList</a:t>
-            </a:r>
-            <a:r>
-              <a:rPr lang="ja-JP" altLang="en-US" sz="900" dirty="0">
-                <a:solidFill>
-                  <a:srgbClr val="FF0000"/>
-                </a:solidFill>
-                <a:latin typeface="メイリオ" panose="020B0604030504040204" pitchFamily="50" charset="-128"/>
-                <a:ea typeface="メイリオ" panose="020B0604030504040204" pitchFamily="50" charset="-128"/>
-                <a:cs typeface="メイリオ" panose="020B0604030504040204" pitchFamily="50" charset="-128"/>
-              </a:rPr>
-              <a:t>＜</a:t>
-            </a:r>
-            <a:r>
-              <a:rPr lang="en-US" altLang="ja-JP" sz="900" dirty="0">
-                <a:solidFill>
-                  <a:srgbClr val="FF0000"/>
-                </a:solidFill>
-                <a:latin typeface="メイリオ" panose="020B0604030504040204" pitchFamily="50" charset="-128"/>
-                <a:ea typeface="メイリオ" panose="020B0604030504040204" pitchFamily="50" charset="-128"/>
-                <a:cs typeface="メイリオ" panose="020B0604030504040204" pitchFamily="50" charset="-128"/>
-              </a:rPr>
-              <a:t>String</a:t>
-            </a:r>
-            <a:r>
-              <a:rPr lang="ja-JP" altLang="en-US" sz="900" dirty="0">
-                <a:solidFill>
-                  <a:srgbClr val="FF0000"/>
-                </a:solidFill>
-                <a:latin typeface="メイリオ" panose="020B0604030504040204" pitchFamily="50" charset="-128"/>
-                <a:ea typeface="メイリオ" panose="020B0604030504040204" pitchFamily="50" charset="-128"/>
-                <a:cs typeface="メイリオ" panose="020B0604030504040204" pitchFamily="50" charset="-128"/>
-              </a:rPr>
-              <a:t>＞</a:t>
-            </a:r>
-            <a:r>
-              <a:rPr lang="en-US" altLang="ja-JP" sz="900" dirty="0">
-                <a:solidFill>
-                  <a:srgbClr val="FF0000"/>
-                </a:solidFill>
-                <a:latin typeface="メイリオ" panose="020B0604030504040204" pitchFamily="50" charset="-128"/>
-                <a:ea typeface="メイリオ" panose="020B0604030504040204" pitchFamily="50" charset="-128"/>
-                <a:cs typeface="メイリオ" panose="020B0604030504040204" pitchFamily="50" charset="-128"/>
-              </a:rPr>
               <a:t/>
             </a:r>
             <a:br>
               <a:rPr lang="en-US" altLang="ja-JP" sz="900" dirty="0">
                 <a:solidFill>
-                  <a:srgbClr val="FF0000"/>
-                </a:solidFill>
-                <a:latin typeface="メイリオ" panose="020B0604030504040204" pitchFamily="50" charset="-128"/>
-                <a:ea typeface="メイリオ" panose="020B0604030504040204" pitchFamily="50" charset="-128"/>
-                <a:cs typeface="メイリオ" panose="020B0604030504040204" pitchFamily="50" charset="-128"/>
-              </a:rPr>
-            </a:br>
-            <a:r>
-              <a:rPr lang="en-US" altLang="ja-JP" sz="900" dirty="0">
-                <a:solidFill>
-                  <a:srgbClr val="FF0000"/>
-                </a:solidFill>
-                <a:latin typeface="メイリオ" panose="020B0604030504040204" pitchFamily="50" charset="-128"/>
-                <a:ea typeface="メイリオ" panose="020B0604030504040204" pitchFamily="50" charset="-128"/>
-                <a:cs typeface="メイリオ" panose="020B0604030504040204" pitchFamily="50" charset="-128"/>
-              </a:rPr>
-              <a:t/>
-            </a:r>
-            <a:br>
-              <a:rPr lang="en-US" altLang="ja-JP" sz="900" dirty="0">
-                <a:solidFill>
-                  <a:srgbClr val="FF0000"/>
-                </a:solidFill>
-                <a:latin typeface="メイリオ" panose="020B0604030504040204" pitchFamily="50" charset="-128"/>
-                <a:ea typeface="メイリオ" panose="020B0604030504040204" pitchFamily="50" charset="-128"/>
-                <a:cs typeface="メイリオ" panose="020B0604030504040204" pitchFamily="50" charset="-128"/>
-              </a:rPr>
-            </a:br>
-            <a:r>
-              <a:rPr lang="en-US" altLang="ja-JP" sz="900" dirty="0">
-                <a:solidFill>
-                  <a:srgbClr val="FF0000"/>
-                </a:solidFill>
-                <a:latin typeface="メイリオ" panose="020B0604030504040204" pitchFamily="50" charset="-128"/>
-                <a:ea typeface="メイリオ" panose="020B0604030504040204" pitchFamily="50" charset="-128"/>
-                <a:cs typeface="メイリオ" panose="020B0604030504040204" pitchFamily="50" charset="-128"/>
-              </a:rPr>
-              <a:t>admin</a:t>
-            </a:r>
-            <a:r>
-              <a:rPr lang="ja-JP" altLang="en-US" sz="900" dirty="0">
-                <a:solidFill>
-                  <a:srgbClr val="FF0000"/>
-                </a:solidFill>
-                <a:latin typeface="メイリオ" panose="020B0604030504040204" pitchFamily="50" charset="-128"/>
-                <a:ea typeface="メイリオ" panose="020B0604030504040204" pitchFamily="50" charset="-128"/>
-                <a:cs typeface="メイリオ" panose="020B0604030504040204" pitchFamily="50" charset="-128"/>
-              </a:rPr>
-              <a:t>メソッド</a:t>
-            </a:r>
-            <a:endParaRPr lang="en-US" altLang="ja-JP" sz="900" dirty="0">
-              <a:solidFill>
-                <a:srgbClr val="FF0000"/>
-              </a:solidFill>
-              <a:latin typeface="メイリオ" panose="020B0604030504040204" pitchFamily="50" charset="-128"/>
-              <a:ea typeface="メイリオ" panose="020B0604030504040204" pitchFamily="50" charset="-128"/>
-              <a:cs typeface="メイリオ" panose="020B0604030504040204" pitchFamily="50" charset="-128"/>
-            </a:endParaRPr>
-          </a:p>
-          <a:p>
-            <a:r>
-              <a:rPr lang="ja-JP" altLang="en-US" sz="900" dirty="0">
-                <a:solidFill>
-                  <a:srgbClr val="FF0000"/>
-                </a:solidFill>
-                <a:latin typeface="メイリオ" panose="020B0604030504040204" pitchFamily="50" charset="-128"/>
-                <a:ea typeface="メイリオ" panose="020B0604030504040204" pitchFamily="50" charset="-128"/>
-                <a:cs typeface="メイリオ" panose="020B0604030504040204" pitchFamily="50" charset="-128"/>
-              </a:rPr>
-              <a:t>引数：</a:t>
-            </a:r>
-            <a:r>
-              <a:rPr lang="en-US" altLang="ja-JP" sz="900" dirty="0">
-                <a:solidFill>
-                  <a:srgbClr val="FF0000"/>
-                </a:solidFill>
-                <a:latin typeface="メイリオ" panose="020B0604030504040204" pitchFamily="50" charset="-128"/>
-                <a:ea typeface="メイリオ" panose="020B0604030504040204" pitchFamily="50" charset="-128"/>
-                <a:cs typeface="メイリオ" panose="020B0604030504040204" pitchFamily="50" charset="-128"/>
-              </a:rPr>
-              <a:t>String</a:t>
-            </a:r>
-            <a:br>
-              <a:rPr lang="en-US" altLang="ja-JP" sz="900" dirty="0">
-                <a:solidFill>
-                  <a:srgbClr val="FF0000"/>
-                </a:solidFill>
-                <a:latin typeface="メイリオ" panose="020B0604030504040204" pitchFamily="50" charset="-128"/>
-                <a:ea typeface="メイリオ" panose="020B0604030504040204" pitchFamily="50" charset="-128"/>
-                <a:cs typeface="メイリオ" panose="020B0604030504040204" pitchFamily="50" charset="-128"/>
-              </a:rPr>
-            </a:br>
-            <a:r>
-              <a:rPr lang="ja-JP" altLang="en-US" sz="900" dirty="0">
-                <a:solidFill>
-                  <a:srgbClr val="FF0000"/>
-                </a:solidFill>
-                <a:latin typeface="メイリオ" panose="020B0604030504040204" pitchFamily="50" charset="-128"/>
-                <a:ea typeface="メイリオ" panose="020B0604030504040204" pitchFamily="50" charset="-128"/>
-                <a:cs typeface="メイリオ" panose="020B0604030504040204" pitchFamily="50" charset="-128"/>
-              </a:rPr>
-              <a:t>戻り値：</a:t>
-            </a:r>
-            <a:r>
-              <a:rPr lang="en-US" altLang="ja-JP" sz="900" dirty="0" err="1">
-                <a:solidFill>
-                  <a:srgbClr val="FF0000"/>
-                </a:solidFill>
-                <a:latin typeface="メイリオ" panose="020B0604030504040204" pitchFamily="50" charset="-128"/>
-                <a:ea typeface="メイリオ" panose="020B0604030504040204" pitchFamily="50" charset="-128"/>
-                <a:cs typeface="メイリオ" panose="020B0604030504040204" pitchFamily="50" charset="-128"/>
-              </a:rPr>
-              <a:t>ArrayList</a:t>
-            </a:r>
-            <a:r>
-              <a:rPr lang="ja-JP" altLang="en-US" sz="900" dirty="0">
-                <a:solidFill>
-                  <a:srgbClr val="FF0000"/>
-                </a:solidFill>
-                <a:latin typeface="メイリオ" panose="020B0604030504040204" pitchFamily="50" charset="-128"/>
-                <a:ea typeface="メイリオ" panose="020B0604030504040204" pitchFamily="50" charset="-128"/>
-                <a:cs typeface="メイリオ" panose="020B0604030504040204" pitchFamily="50" charset="-128"/>
-              </a:rPr>
-              <a:t>＜</a:t>
-            </a:r>
-            <a:r>
-              <a:rPr lang="en-US" altLang="ja-JP" sz="900" dirty="0">
-                <a:solidFill>
-                  <a:srgbClr val="FF0000"/>
-                </a:solidFill>
-                <a:latin typeface="メイリオ" panose="020B0604030504040204" pitchFamily="50" charset="-128"/>
-                <a:ea typeface="メイリオ" panose="020B0604030504040204" pitchFamily="50" charset="-128"/>
-                <a:cs typeface="メイリオ" panose="020B0604030504040204" pitchFamily="50" charset="-128"/>
-              </a:rPr>
-              <a:t>String</a:t>
-            </a:r>
-            <a:r>
-              <a:rPr lang="ja-JP" altLang="en-US" sz="900" dirty="0">
-                <a:solidFill>
-                  <a:srgbClr val="FF0000"/>
-                </a:solidFill>
-                <a:latin typeface="メイリオ" panose="020B0604030504040204" pitchFamily="50" charset="-128"/>
-                <a:ea typeface="メイリオ" panose="020B0604030504040204" pitchFamily="50" charset="-128"/>
-                <a:cs typeface="メイリオ" panose="020B0604030504040204" pitchFamily="50" charset="-128"/>
-              </a:rPr>
-              <a:t>＞</a:t>
-            </a:r>
-            <a:r>
-              <a:rPr lang="en-US" altLang="ja-JP" sz="900" dirty="0">
-                <a:solidFill>
-                  <a:srgbClr val="FF0000"/>
-                </a:solidFill>
-                <a:latin typeface="メイリオ" panose="020B0604030504040204" pitchFamily="50" charset="-128"/>
-                <a:ea typeface="メイリオ" panose="020B0604030504040204" pitchFamily="50" charset="-128"/>
-                <a:cs typeface="メイリオ" panose="020B0604030504040204" pitchFamily="50" charset="-128"/>
-              </a:rPr>
-              <a:t/>
-            </a:r>
-            <a:br>
-              <a:rPr lang="en-US" altLang="ja-JP" sz="900" dirty="0">
-                <a:solidFill>
-                  <a:srgbClr val="FF0000"/>
-                </a:solidFill>
-                <a:latin typeface="メイリオ" panose="020B0604030504040204" pitchFamily="50" charset="-128"/>
-                <a:ea typeface="メイリオ" panose="020B0604030504040204" pitchFamily="50" charset="-128"/>
-                <a:cs typeface="メイリオ" panose="020B0604030504040204" pitchFamily="50" charset="-128"/>
-              </a:rPr>
-            </a:br>
-            <a:r>
-              <a:rPr lang="en-US" altLang="ja-JP" sz="900" dirty="0">
-                <a:solidFill>
-                  <a:srgbClr val="FF0000"/>
-                </a:solidFill>
-                <a:latin typeface="メイリオ" panose="020B0604030504040204" pitchFamily="50" charset="-128"/>
-                <a:ea typeface="メイリオ" panose="020B0604030504040204" pitchFamily="50" charset="-128"/>
-                <a:cs typeface="メイリオ" panose="020B0604030504040204" pitchFamily="50" charset="-128"/>
-              </a:rPr>
-              <a:t/>
-            </a:r>
-            <a:br>
-              <a:rPr lang="en-US" altLang="ja-JP" sz="900" dirty="0">
-                <a:solidFill>
-                  <a:srgbClr val="FF0000"/>
-                </a:solidFill>
-                <a:latin typeface="メイリオ" panose="020B0604030504040204" pitchFamily="50" charset="-128"/>
-                <a:ea typeface="メイリオ" panose="020B0604030504040204" pitchFamily="50" charset="-128"/>
-                <a:cs typeface="メイリオ" panose="020B0604030504040204" pitchFamily="50" charset="-128"/>
-              </a:rPr>
-            </a:br>
-            <a:r>
-              <a:rPr lang="en-US" altLang="ja-JP" sz="900" dirty="0">
-                <a:solidFill>
-                  <a:srgbClr val="FF0000"/>
-                </a:solidFill>
-                <a:latin typeface="メイリオ" panose="020B0604030504040204" pitchFamily="50" charset="-128"/>
-                <a:ea typeface="メイリオ" panose="020B0604030504040204" pitchFamily="50" charset="-128"/>
-                <a:cs typeface="メイリオ" panose="020B0604030504040204" pitchFamily="50" charset="-128"/>
-              </a:rPr>
-              <a:t>del</a:t>
-            </a:r>
-            <a:r>
-              <a:rPr lang="ja-JP" altLang="en-US" sz="900" dirty="0">
-                <a:solidFill>
-                  <a:srgbClr val="FF0000"/>
-                </a:solidFill>
-                <a:latin typeface="メイリオ" panose="020B0604030504040204" pitchFamily="50" charset="-128"/>
-                <a:ea typeface="メイリオ" panose="020B0604030504040204" pitchFamily="50" charset="-128"/>
-                <a:cs typeface="メイリオ" panose="020B0604030504040204" pitchFamily="50" charset="-128"/>
-              </a:rPr>
-              <a:t>メソッド</a:t>
-            </a:r>
-            <a:endParaRPr lang="en-US" altLang="ja-JP" sz="900" dirty="0">
-              <a:solidFill>
-                <a:srgbClr val="FF0000"/>
-              </a:solidFill>
-              <a:latin typeface="メイリオ" panose="020B0604030504040204" pitchFamily="50" charset="-128"/>
-              <a:ea typeface="メイリオ" panose="020B0604030504040204" pitchFamily="50" charset="-128"/>
-              <a:cs typeface="メイリオ" panose="020B0604030504040204" pitchFamily="50" charset="-128"/>
-            </a:endParaRPr>
-          </a:p>
-          <a:p>
-            <a:r>
-              <a:rPr lang="ja-JP" altLang="en-US" sz="900" dirty="0">
-                <a:solidFill>
-                  <a:srgbClr val="FF0000"/>
-                </a:solidFill>
-                <a:latin typeface="メイリオ" panose="020B0604030504040204" pitchFamily="50" charset="-128"/>
-                <a:ea typeface="メイリオ" panose="020B0604030504040204" pitchFamily="50" charset="-128"/>
-                <a:cs typeface="メイリオ" panose="020B0604030504040204" pitchFamily="50" charset="-128"/>
-              </a:rPr>
-              <a:t>引数：</a:t>
-            </a:r>
-            <a:r>
-              <a:rPr lang="en-US" altLang="ja-JP" sz="900" dirty="0">
-                <a:solidFill>
-                  <a:srgbClr val="FF0000"/>
-                </a:solidFill>
-                <a:latin typeface="メイリオ" panose="020B0604030504040204" pitchFamily="50" charset="-128"/>
-                <a:ea typeface="メイリオ" panose="020B0604030504040204" pitchFamily="50" charset="-128"/>
-                <a:cs typeface="メイリオ" panose="020B0604030504040204" pitchFamily="50" charset="-128"/>
-              </a:rPr>
-              <a:t> String ,</a:t>
-            </a:r>
-            <a:r>
-              <a:rPr lang="en-US" altLang="ja-JP" sz="900" dirty="0" err="1">
-                <a:solidFill>
-                  <a:srgbClr val="FF0000"/>
-                </a:solidFill>
-                <a:latin typeface="メイリオ" panose="020B0604030504040204" pitchFamily="50" charset="-128"/>
-                <a:ea typeface="メイリオ" panose="020B0604030504040204" pitchFamily="50" charset="-128"/>
-                <a:cs typeface="メイリオ" panose="020B0604030504040204" pitchFamily="50" charset="-128"/>
-              </a:rPr>
-              <a:t>ArrayList</a:t>
-            </a:r>
-            <a:r>
-              <a:rPr lang="ja-JP" altLang="en-US" sz="900" dirty="0">
-                <a:solidFill>
-                  <a:srgbClr val="FF0000"/>
-                </a:solidFill>
-                <a:latin typeface="メイリオ" panose="020B0604030504040204" pitchFamily="50" charset="-128"/>
-                <a:ea typeface="メイリオ" panose="020B0604030504040204" pitchFamily="50" charset="-128"/>
-                <a:cs typeface="メイリオ" panose="020B0604030504040204" pitchFamily="50" charset="-128"/>
-              </a:rPr>
-              <a:t>＜</a:t>
-            </a:r>
-            <a:r>
-              <a:rPr lang="en-US" altLang="ja-JP" sz="900" dirty="0" err="1">
-                <a:solidFill>
-                  <a:srgbClr val="FF0000"/>
-                </a:solidFill>
-                <a:latin typeface="メイリオ" panose="020B0604030504040204" pitchFamily="50" charset="-128"/>
-                <a:ea typeface="メイリオ" panose="020B0604030504040204" pitchFamily="50" charset="-128"/>
-                <a:cs typeface="メイリオ" panose="020B0604030504040204" pitchFamily="50" charset="-128"/>
-              </a:rPr>
-              <a:t>BoardBean</a:t>
-            </a:r>
-            <a:r>
-              <a:rPr lang="en-US" altLang="ja-JP" sz="900" dirty="0">
-                <a:solidFill>
-                  <a:srgbClr val="FF0000"/>
-                </a:solidFill>
-                <a:latin typeface="メイリオ" panose="020B0604030504040204" pitchFamily="50" charset="-128"/>
-                <a:ea typeface="メイリオ" panose="020B0604030504040204" pitchFamily="50" charset="-128"/>
-                <a:cs typeface="メイリオ" panose="020B0604030504040204" pitchFamily="50" charset="-128"/>
-              </a:rPr>
-              <a:t> </a:t>
-            </a:r>
-            <a:r>
-              <a:rPr lang="ja-JP" altLang="en-US" sz="900" dirty="0">
-                <a:solidFill>
-                  <a:srgbClr val="FF0000"/>
-                </a:solidFill>
-                <a:latin typeface="メイリオ" panose="020B0604030504040204" pitchFamily="50" charset="-128"/>
-                <a:ea typeface="メイリオ" panose="020B0604030504040204" pitchFamily="50" charset="-128"/>
-                <a:cs typeface="メイリオ" panose="020B0604030504040204" pitchFamily="50" charset="-128"/>
-              </a:rPr>
-              <a:t>＞</a:t>
-            </a:r>
-            <a:r>
-              <a:rPr lang="en-US" altLang="ja-JP" sz="900" dirty="0">
-                <a:solidFill>
-                  <a:srgbClr val="FF0000"/>
-                </a:solidFill>
-                <a:latin typeface="メイリオ" panose="020B0604030504040204" pitchFamily="50" charset="-128"/>
-                <a:ea typeface="メイリオ" panose="020B0604030504040204" pitchFamily="50" charset="-128"/>
-                <a:cs typeface="メイリオ" panose="020B0604030504040204" pitchFamily="50" charset="-128"/>
-              </a:rPr>
-              <a:t/>
-            </a:r>
-            <a:br>
-              <a:rPr lang="en-US" altLang="ja-JP" sz="900" dirty="0">
-                <a:solidFill>
-                  <a:srgbClr val="FF0000"/>
-                </a:solidFill>
-                <a:latin typeface="メイリオ" panose="020B0604030504040204" pitchFamily="50" charset="-128"/>
-                <a:ea typeface="メイリオ" panose="020B0604030504040204" pitchFamily="50" charset="-128"/>
-                <a:cs typeface="メイリオ" panose="020B0604030504040204" pitchFamily="50" charset="-128"/>
-              </a:rPr>
-            </a:br>
-            <a:r>
-              <a:rPr lang="ja-JP" altLang="en-US" sz="900" dirty="0">
-                <a:solidFill>
-                  <a:srgbClr val="FF0000"/>
-                </a:solidFill>
-                <a:latin typeface="メイリオ" panose="020B0604030504040204" pitchFamily="50" charset="-128"/>
-                <a:ea typeface="メイリオ" panose="020B0604030504040204" pitchFamily="50" charset="-128"/>
-                <a:cs typeface="メイリオ" panose="020B0604030504040204" pitchFamily="50" charset="-128"/>
-              </a:rPr>
-              <a:t>戻り値：</a:t>
-            </a:r>
-            <a:r>
-              <a:rPr lang="en-US" altLang="ja-JP" sz="900" dirty="0" err="1">
-                <a:solidFill>
-                  <a:srgbClr val="FF0000"/>
-                </a:solidFill>
-                <a:latin typeface="メイリオ" panose="020B0604030504040204" pitchFamily="50" charset="-128"/>
-                <a:ea typeface="メイリオ" panose="020B0604030504040204" pitchFamily="50" charset="-128"/>
-                <a:cs typeface="メイリオ" panose="020B0604030504040204" pitchFamily="50" charset="-128"/>
-              </a:rPr>
-              <a:t>ArrayList</a:t>
-            </a:r>
-            <a:r>
-              <a:rPr lang="ja-JP" altLang="en-US" sz="900" dirty="0">
-                <a:solidFill>
-                  <a:srgbClr val="FF0000"/>
-                </a:solidFill>
-                <a:latin typeface="メイリオ" panose="020B0604030504040204" pitchFamily="50" charset="-128"/>
-                <a:ea typeface="メイリオ" panose="020B0604030504040204" pitchFamily="50" charset="-128"/>
-                <a:cs typeface="メイリオ" panose="020B0604030504040204" pitchFamily="50" charset="-128"/>
-              </a:rPr>
-              <a:t>＜</a:t>
-            </a:r>
-            <a:r>
-              <a:rPr lang="en-US" altLang="ja-JP" sz="900" dirty="0">
-                <a:solidFill>
-                  <a:srgbClr val="FF0000"/>
-                </a:solidFill>
-                <a:latin typeface="メイリオ" panose="020B0604030504040204" pitchFamily="50" charset="-128"/>
-                <a:ea typeface="メイリオ" panose="020B0604030504040204" pitchFamily="50" charset="-128"/>
-                <a:cs typeface="メイリオ" panose="020B0604030504040204" pitchFamily="50" charset="-128"/>
-              </a:rPr>
-              <a:t>String</a:t>
-            </a:r>
-            <a:r>
-              <a:rPr lang="ja-JP" altLang="en-US" sz="900" dirty="0">
-                <a:solidFill>
-                  <a:srgbClr val="FF0000"/>
-                </a:solidFill>
-                <a:latin typeface="メイリオ" panose="020B0604030504040204" pitchFamily="50" charset="-128"/>
-                <a:ea typeface="メイリオ" panose="020B0604030504040204" pitchFamily="50" charset="-128"/>
-                <a:cs typeface="メイリオ" panose="020B0604030504040204" pitchFamily="50" charset="-128"/>
-              </a:rPr>
-              <a:t>＞</a:t>
-            </a:r>
-          </a:p>
-          <a:p>
-            <a:r>
-              <a:rPr lang="en-US" altLang="ja-JP" sz="900" dirty="0" smtClean="0">
-                <a:solidFill>
-                  <a:srgbClr val="FF0000"/>
-                </a:solidFill>
-                <a:latin typeface="メイリオ" panose="020B0604030504040204" pitchFamily="50" charset="-128"/>
-                <a:ea typeface="メイリオ" panose="020B0604030504040204" pitchFamily="50" charset="-128"/>
-                <a:cs typeface="メイリオ" panose="020B0604030504040204" pitchFamily="50" charset="-128"/>
-              </a:rPr>
-              <a:t/>
-            </a:r>
-            <a:br>
-              <a:rPr lang="en-US" altLang="ja-JP" sz="900" dirty="0" smtClean="0">
-                <a:solidFill>
-                  <a:srgbClr val="FF0000"/>
+                  <a:schemeClr val="tx1"/>
                 </a:solidFill>
                 <a:latin typeface="メイリオ" panose="020B0604030504040204" pitchFamily="50" charset="-128"/>
                 <a:ea typeface="メイリオ" panose="020B0604030504040204" pitchFamily="50" charset="-128"/>

--- a/データベース掲示板/状態遷移図_DB.pptx
+++ b/データベース掲示板/状態遷移図_DB.pptx
@@ -9077,7 +9077,7 @@
           <a:lstStyle/>
           <a:p>
             <a:r>
-              <a:rPr lang="ja-JP" altLang="en-US" sz="1400" smtClean="0">
+              <a:rPr lang="ja-JP" altLang="en-US" sz="1400" dirty="0" smtClean="0">
                 <a:solidFill>
                   <a:schemeClr val="tx1"/>
                 </a:solidFill>
@@ -9087,7 +9087,7 @@
               </a:rPr>
               <a:t>・香川</a:t>
             </a:r>
-            <a:endParaRPr lang="en-US" altLang="ja-JP" sz="1400">
+            <a:endParaRPr lang="en-US" altLang="ja-JP" sz="1400" dirty="0">
               <a:solidFill>
                 <a:schemeClr val="tx1"/>
               </a:solidFill>
